--- a/ppt设计素材/ppt365源文件/ppt365-15-ppt_丑不是我的错.pptx
+++ b/ppt设计素材/ppt365源文件/ppt365-15-ppt_丑不是我的错.pptx
@@ -218,7 +218,7 @@
           <a:p>
             <a:fld id="{DCFF52ED-B6D4-4939-AF40-6B28CB450ECE}" type="datetimeFigureOut">
               <a:rPr lang="zh-CN" altLang="en-US" smtClean="0"/>
-              <a:t>2019/11/30</a:t>
+              <a:t>2019/12/1</a:t>
             </a:fld>
             <a:endParaRPr lang="zh-CN" altLang="en-US"/>
           </a:p>
@@ -716,7 +716,7 @@
           <a:p>
             <a:fld id="{DB2B67FD-3DB1-4E01-BD93-5C8B897F7BBD}" type="datetimeFigureOut">
               <a:rPr lang="zh-CN" altLang="en-US" smtClean="0"/>
-              <a:t>2019/11/30</a:t>
+              <a:t>2019/12/1</a:t>
             </a:fld>
             <a:endParaRPr lang="zh-CN" altLang="en-US"/>
           </a:p>
@@ -914,7 +914,7 @@
           <a:p>
             <a:fld id="{DB2B67FD-3DB1-4E01-BD93-5C8B897F7BBD}" type="datetimeFigureOut">
               <a:rPr lang="zh-CN" altLang="en-US" smtClean="0"/>
-              <a:t>2019/11/30</a:t>
+              <a:t>2019/12/1</a:t>
             </a:fld>
             <a:endParaRPr lang="zh-CN" altLang="en-US"/>
           </a:p>
@@ -1122,7 +1122,7 @@
           <a:p>
             <a:fld id="{DB2B67FD-3DB1-4E01-BD93-5C8B897F7BBD}" type="datetimeFigureOut">
               <a:rPr lang="zh-CN" altLang="en-US" smtClean="0"/>
-              <a:t>2019/11/30</a:t>
+              <a:t>2019/12/1</a:t>
             </a:fld>
             <a:endParaRPr lang="zh-CN" altLang="en-US"/>
           </a:p>
@@ -1320,7 +1320,7 @@
           <a:p>
             <a:fld id="{DB2B67FD-3DB1-4E01-BD93-5C8B897F7BBD}" type="datetimeFigureOut">
               <a:rPr lang="zh-CN" altLang="en-US" smtClean="0"/>
-              <a:t>2019/11/30</a:t>
+              <a:t>2019/12/1</a:t>
             </a:fld>
             <a:endParaRPr lang="zh-CN" altLang="en-US"/>
           </a:p>
@@ -1595,7 +1595,7 @@
           <a:p>
             <a:fld id="{DB2B67FD-3DB1-4E01-BD93-5C8B897F7BBD}" type="datetimeFigureOut">
               <a:rPr lang="zh-CN" altLang="en-US" smtClean="0"/>
-              <a:t>2019/11/30</a:t>
+              <a:t>2019/12/1</a:t>
             </a:fld>
             <a:endParaRPr lang="zh-CN" altLang="en-US"/>
           </a:p>
@@ -1860,7 +1860,7 @@
           <a:p>
             <a:fld id="{DB2B67FD-3DB1-4E01-BD93-5C8B897F7BBD}" type="datetimeFigureOut">
               <a:rPr lang="zh-CN" altLang="en-US" smtClean="0"/>
-              <a:t>2019/11/30</a:t>
+              <a:t>2019/12/1</a:t>
             </a:fld>
             <a:endParaRPr lang="zh-CN" altLang="en-US"/>
           </a:p>
@@ -2272,7 +2272,7 @@
           <a:p>
             <a:fld id="{DB2B67FD-3DB1-4E01-BD93-5C8B897F7BBD}" type="datetimeFigureOut">
               <a:rPr lang="zh-CN" altLang="en-US" smtClean="0"/>
-              <a:t>2019/11/30</a:t>
+              <a:t>2019/12/1</a:t>
             </a:fld>
             <a:endParaRPr lang="zh-CN" altLang="en-US"/>
           </a:p>
@@ -2413,7 +2413,7 @@
           <a:p>
             <a:fld id="{DB2B67FD-3DB1-4E01-BD93-5C8B897F7BBD}" type="datetimeFigureOut">
               <a:rPr lang="zh-CN" altLang="en-US" smtClean="0"/>
-              <a:t>2019/11/30</a:t>
+              <a:t>2019/12/1</a:t>
             </a:fld>
             <a:endParaRPr lang="zh-CN" altLang="en-US"/>
           </a:p>
@@ -2526,7 +2526,7 @@
           <a:p>
             <a:fld id="{DB2B67FD-3DB1-4E01-BD93-5C8B897F7BBD}" type="datetimeFigureOut">
               <a:rPr lang="zh-CN" altLang="en-US" smtClean="0"/>
-              <a:t>2019/11/30</a:t>
+              <a:t>2019/12/1</a:t>
             </a:fld>
             <a:endParaRPr lang="zh-CN" altLang="en-US"/>
           </a:p>
@@ -2837,7 +2837,7 @@
           <a:p>
             <a:fld id="{DB2B67FD-3DB1-4E01-BD93-5C8B897F7BBD}" type="datetimeFigureOut">
               <a:rPr lang="zh-CN" altLang="en-US" smtClean="0"/>
-              <a:t>2019/11/30</a:t>
+              <a:t>2019/12/1</a:t>
             </a:fld>
             <a:endParaRPr lang="zh-CN" altLang="en-US"/>
           </a:p>
@@ -3125,7 +3125,7 @@
           <a:p>
             <a:fld id="{DB2B67FD-3DB1-4E01-BD93-5C8B897F7BBD}" type="datetimeFigureOut">
               <a:rPr lang="zh-CN" altLang="en-US" smtClean="0"/>
-              <a:t>2019/11/30</a:t>
+              <a:t>2019/12/1</a:t>
             </a:fld>
             <a:endParaRPr lang="zh-CN" altLang="en-US"/>
           </a:p>
@@ -3366,7 +3366,7 @@
           <a:p>
             <a:fld id="{DB2B67FD-3DB1-4E01-BD93-5C8B897F7BBD}" type="datetimeFigureOut">
               <a:rPr lang="zh-CN" altLang="en-US" smtClean="0"/>
-              <a:t>2019/11/30</a:t>
+              <a:t>2019/12/1</a:t>
             </a:fld>
             <a:endParaRPr lang="zh-CN" altLang="en-US"/>
           </a:p>
@@ -4098,7 +4098,7 @@
         <p:spPr>
           <a:xfrm>
             <a:off x="1701849" y="2644170"/>
-            <a:ext cx="8788303" cy="1569660"/>
+            <a:ext cx="9509655" cy="1569660"/>
           </a:xfrm>
           <a:prstGeom prst="rect">
             <a:avLst/>
@@ -4118,7 +4118,7 @@
                 </a:solidFill>
                 <a:latin typeface="Ludicrous" panose="00000504000000000004" pitchFamily="50" charset="0"/>
               </a:rPr>
-              <a:t>what ppt </a:t>
+              <a:t>what ppt  </a:t>
             </a:r>
             <a:r>
               <a:rPr lang="en-US" altLang="zh-CN" sz="9600" dirty="0">
@@ -4346,7 +4346,7 @@
                     <a:latin typeface="汉仪铸字黑魔法W" panose="00020600040101010101" pitchFamily="18" charset="-122"/>
                     <a:ea typeface="汉仪铸字黑魔法W" panose="00020600040101010101" pitchFamily="18" charset="-122"/>
                   </a:rPr>
-                  <a:t>The 14th</a:t>
+                  <a:t>The 15th</a:t>
                 </a:r>
                 <a:endParaRPr lang="zh-CN" altLang="en-US" sz="2400" b="1" dirty="0">
                   <a:solidFill>
